--- a/H1B NYCDSA.pptx
+++ b/H1B NYCDSA.pptx
@@ -109,6 +109,11 @@
       </a:defRPr>
     </a:lvl9pPr>
   </p:defaultTextStyle>
+  <p:extLst>
+    <p:ext uri="{EFAFB233-063F-42B5-8137-9DF3F51BA10A}">
+      <p15:sldGuideLst xmlns:p15="http://schemas.microsoft.com/office/powerpoint/2012/main"/>
+    </p:ext>
+  </p:extLst>
 </p:presentation>
 </file>
 
@@ -5737,7 +5742,7 @@
         </p:blipFill>
         <p:spPr>
           <a:xfrm>
-            <a:off x="0" y="0"/>
+            <a:off x="14068" y="15240"/>
             <a:ext cx="12192000" cy="6858000"/>
           </a:xfrm>
           <a:prstGeom prst="rect">
@@ -5848,10 +5853,10 @@
           <p:cNvPr id="11" name="Rectangle 10">
             <a:extLst>
               <a:ext uri="{FF2B5EF4-FFF2-40B4-BE49-F238E27FC236}">
-                <a16:creationId xmlns:a16="http://schemas.microsoft.com/office/drawing/2014/main" xmlns="" id="{2C069419-B83B-4E10-A3EF-91A86B5D3570}"/>
+                <a16:creationId xmlns="" xmlns:a16="http://schemas.microsoft.com/office/drawing/2014/main" id="{2C069419-B83B-4E10-A3EF-91A86B5D3570}"/>
               </a:ext>
               <a:ext uri="{C183D7F6-B498-43B3-948B-1728B52AA6E4}">
-                <adec:decorative xmlns:adec="http://schemas.microsoft.com/office/drawing/2017/decorative" xmlns="" val="1"/>
+                <adec:decorative xmlns="" xmlns:adec="http://schemas.microsoft.com/office/drawing/2017/decorative" val="1"/>
               </a:ext>
             </a:extLst>
           </p:cNvPr>
@@ -6145,21 +6150,53 @@
             </a:pPr>
             <a:r>
               <a:rPr lang="en-US" dirty="0" smtClean="0"/>
-              <a:t>Interestingly, the base salary for business analyst</a:t>
+              <a:t>Interestingly, the base salary for business </a:t>
+            </a:r>
+            <a:r>
+              <a:rPr lang="en-US" dirty="0" smtClean="0"/>
+              <a:t>analyst has been increasing,</a:t>
+            </a:r>
+            <a:r>
+              <a:rPr lang="en-US" dirty="0" smtClean="0"/>
+              <a:t/>
             </a:r>
             <a:br>
               <a:rPr lang="en-US" dirty="0" smtClean="0"/>
             </a:br>
             <a:r>
               <a:rPr lang="en-US" dirty="0" smtClean="0"/>
-              <a:t>whereas data scientist base salary as seen </a:t>
+              <a:t>whereas data scientist base salary </a:t>
+            </a:r>
+            <a:r>
+              <a:rPr lang="en-US" dirty="0" smtClean="0"/>
+              <a:t>is </a:t>
+            </a:r>
+            <a:r>
+              <a:rPr lang="en-US" dirty="0" smtClean="0"/>
+              <a:t>seen </a:t>
             </a:r>
             <a:br>
               <a:rPr lang="en-US" dirty="0" smtClean="0"/>
             </a:br>
             <a:r>
               <a:rPr lang="en-US" dirty="0" smtClean="0"/>
-              <a:t>to be decreasing till 2018.</a:t>
+              <a:t>to be decreasing </a:t>
+            </a:r>
+            <a:r>
+              <a:rPr lang="en-US" dirty="0" smtClean="0"/>
+              <a:t>up </a:t>
+            </a:r>
+            <a:r>
+              <a:rPr lang="en-US" dirty="0" err="1" smtClean="0"/>
+              <a:t>untill</a:t>
+            </a:r>
+            <a:r>
+              <a:rPr lang="en-US" dirty="0" smtClean="0"/>
+              <a:t> </a:t>
+            </a:r>
+            <a:r>
+              <a:rPr lang="en-US" dirty="0" smtClean="0"/>
+              <a:t>2018.</a:t>
             </a:r>
             <a:endParaRPr lang="en-US" dirty="0"/>
           </a:p>
@@ -6504,7 +6541,7 @@
         <p:spPr>
           <a:xfrm>
             <a:off x="172528" y="4157932"/>
-            <a:ext cx="10600979" cy="646331"/>
+            <a:ext cx="10536859" cy="923330"/>
           </a:xfrm>
           <a:prstGeom prst="rect">
             <a:avLst/>
@@ -6523,7 +6560,15 @@
             </a:pPr>
             <a:r>
               <a:rPr lang="en-US" dirty="0" smtClean="0"/>
-              <a:t>For Data Scientist, it was sound that the top issuers were CA, NY and WA.(AMZN, Microsoft?)</a:t>
+              <a:t>For Data Scientist, it was </a:t>
+            </a:r>
+            <a:r>
+              <a:rPr lang="en-US" dirty="0" smtClean="0"/>
+              <a:t>seen </a:t>
+            </a:r>
+            <a:r>
+              <a:rPr lang="en-US" dirty="0" smtClean="0"/>
+              <a:t>that the top issuers were CA, NY and WA.(AMZN, Microsoft?)</a:t>
             </a:r>
           </a:p>
           <a:p>
@@ -6537,7 +6582,21 @@
             </a:r>
             <a:r>
               <a:rPr lang="en-US" dirty="0" smtClean="0"/>
-              <a:t>s for base salary, CA, MA, NY and WA have median of over 100k.</a:t>
+              <a:t>s for base salary, CA, MA, NY and WA have median of over 100k</a:t>
+            </a:r>
+            <a:r>
+              <a:rPr lang="en-US" dirty="0" smtClean="0"/>
+              <a:t>.</a:t>
+            </a:r>
+          </a:p>
+          <a:p>
+            <a:pPr marL="285750" indent="-285750">
+              <a:buFont typeface="Arial" charset="0"/>
+              <a:buChar char="•"/>
+            </a:pPr>
+            <a:r>
+              <a:rPr lang="en-US" dirty="0" smtClean="0"/>
+              <a:t>Correlate with cost of living in these cities (?)</a:t>
             </a:r>
             <a:endParaRPr lang="en-US" dirty="0"/>
           </a:p>
@@ -6552,7 +6611,7 @@
         <p:spPr>
           <a:xfrm>
             <a:off x="172528" y="5268292"/>
-            <a:ext cx="11873763" cy="646331"/>
+            <a:ext cx="11873763" cy="923330"/>
           </a:xfrm>
           <a:prstGeom prst="rect">
             <a:avLst/>
@@ -6582,8 +6641,23 @@
             </a:br>
             <a:r>
               <a:rPr lang="en-US" dirty="0" smtClean="0"/>
-              <a:t>aren’t that much.</a:t>
-            </a:r>
+              <a:t>aren’t that much</a:t>
+            </a:r>
+            <a:r>
+              <a:rPr lang="en-US" dirty="0" smtClean="0"/>
+              <a:t>.</a:t>
+            </a:r>
+          </a:p>
+          <a:p>
+            <a:pPr marL="285750" indent="-285750">
+              <a:buFont typeface="Arial" charset="0"/>
+              <a:buChar char="•"/>
+            </a:pPr>
+            <a:r>
+              <a:rPr lang="en-US" dirty="0" smtClean="0"/>
+              <a:t>A lot more outliers here, but doesn’t vary too much across states.</a:t>
+            </a:r>
+            <a:endParaRPr lang="en-US" dirty="0" smtClean="0"/>
           </a:p>
         </p:txBody>
       </p:sp>
